--- a/SOACommunication.pptx
+++ b/SOACommunication.pptx
@@ -206,7 +206,7 @@
             <a:fld id="{211D7C89-3668-409F-82C4-EB413D15F707}" type="datetimeFigureOut">
               <a:rPr lang="es-AR" smtClean="0"/>
               <a:pPr/>
-              <a:t>28/07/2008</a:t>
+              <a:t>02/05/2018</a:t>
             </a:fld>
             <a:endParaRPr lang="es-AR"/>
           </a:p>
@@ -273,13 +273,18 @@
             <a:fld id="{0E6CE8C5-0610-4710-862E-B1A3D51B319A}" type="slidenum">
               <a:rPr lang="es-AR" smtClean="0"/>
               <a:pPr/>
-              <a:t>‹Nº›</a:t>
+              <a:t>‹#›</a:t>
             </a:fld>
             <a:endParaRPr lang="es-AR"/>
           </a:p>
         </p:txBody>
       </p:sp>
     </p:spTree>
+    <p:extLst>
+      <p:ext uri="{BB962C8B-B14F-4D97-AF65-F5344CB8AC3E}">
+        <p14:creationId xmlns:p14="http://schemas.microsoft.com/office/powerpoint/2010/main" val="3353843201"/>
+      </p:ext>
+    </p:extLst>
   </p:cSld>
   <p:clrMap bg1="lt1" tx1="dk1" bg2="lt2" tx2="dk2" accent1="accent1" accent2="accent2" accent3="accent3" accent4="accent4" accent5="accent5" accent6="accent6" hlink="hlink" folHlink="folHlink"/>
 </p:handoutMaster>
@@ -368,7 +373,7 @@
             <a:fld id="{F2B1C1A0-CDA5-45C7-A804-293B7C7B5244}" type="datetimeFigureOut">
               <a:rPr lang="es-AR" smtClean="0"/>
               <a:pPr/>
-              <a:t>28/07/2008</a:t>
+              <a:t>02/05/2018</a:t>
             </a:fld>
             <a:endParaRPr lang="es-AR"/>
           </a:p>
@@ -530,13 +535,18 @@
             <a:fld id="{78FC4466-754A-4A17-BBC5-47BC5FE69C7A}" type="slidenum">
               <a:rPr lang="es-AR" smtClean="0"/>
               <a:pPr/>
-              <a:t>‹Nº›</a:t>
+              <a:t>‹#›</a:t>
             </a:fld>
             <a:endParaRPr lang="es-AR"/>
           </a:p>
         </p:txBody>
       </p:sp>
     </p:spTree>
+    <p:extLst>
+      <p:ext uri="{BB962C8B-B14F-4D97-AF65-F5344CB8AC3E}">
+        <p14:creationId xmlns:p14="http://schemas.microsoft.com/office/powerpoint/2010/main" val="2913753302"/>
+      </p:ext>
+    </p:extLst>
   </p:cSld>
   <p:clrMap bg1="lt1" tx1="dk1" bg2="lt2" tx2="dk2" accent1="accent1" accent2="accent2" accent3="accent3" accent4="accent4" accent5="accent5" accent6="accent6" hlink="hlink" folHlink="folHlink"/>
   <p:notesStyle>
@@ -1019,7 +1029,7 @@
             <a:fld id="{52FC8CEA-0A16-4154-94F4-900FDF2B4E74}" type="datetimeFigureOut">
               <a:rPr lang="es-ES" smtClean="0"/>
               <a:pPr/>
-              <a:t>28/07/2008</a:t>
+              <a:t>02/05/2018</a:t>
             </a:fld>
             <a:endParaRPr lang="es-ES"/>
           </a:p>
@@ -1062,7 +1072,7 @@
             <a:fld id="{8AF5DED2-3229-4C9E-BAA3-426D9C5D6377}" type="slidenum">
               <a:rPr lang="es-ES" smtClean="0"/>
               <a:pPr/>
-              <a:t>‹Nº›</a:t>
+              <a:t>‹#›</a:t>
             </a:fld>
             <a:endParaRPr lang="es-ES"/>
           </a:p>
@@ -1186,7 +1196,7 @@
             <a:fld id="{52FC8CEA-0A16-4154-94F4-900FDF2B4E74}" type="datetimeFigureOut">
               <a:rPr lang="es-ES" smtClean="0"/>
               <a:pPr/>
-              <a:t>28/07/2008</a:t>
+              <a:t>02/05/2018</a:t>
             </a:fld>
             <a:endParaRPr lang="es-ES"/>
           </a:p>
@@ -1229,7 +1239,7 @@
             <a:fld id="{8AF5DED2-3229-4C9E-BAA3-426D9C5D6377}" type="slidenum">
               <a:rPr lang="es-ES" smtClean="0"/>
               <a:pPr/>
-              <a:t>‹Nº›</a:t>
+              <a:t>‹#›</a:t>
             </a:fld>
             <a:endParaRPr lang="es-ES"/>
           </a:p>
@@ -1363,7 +1373,7 @@
             <a:fld id="{52FC8CEA-0A16-4154-94F4-900FDF2B4E74}" type="datetimeFigureOut">
               <a:rPr lang="es-ES" smtClean="0"/>
               <a:pPr/>
-              <a:t>28/07/2008</a:t>
+              <a:t>02/05/2018</a:t>
             </a:fld>
             <a:endParaRPr lang="es-ES"/>
           </a:p>
@@ -1406,7 +1416,7 @@
             <a:fld id="{8AF5DED2-3229-4C9E-BAA3-426D9C5D6377}" type="slidenum">
               <a:rPr lang="es-ES" smtClean="0"/>
               <a:pPr/>
-              <a:t>‹Nº›</a:t>
+              <a:t>‹#›</a:t>
             </a:fld>
             <a:endParaRPr lang="es-ES"/>
           </a:p>
@@ -1507,7 +1517,7 @@
             <a:fld id="{52FC8CEA-0A16-4154-94F4-900FDF2B4E74}" type="datetimeFigureOut">
               <a:rPr lang="es-ES" smtClean="0"/>
               <a:pPr/>
-              <a:t>28/07/2008</a:t>
+              <a:t>02/05/2018</a:t>
             </a:fld>
             <a:endParaRPr lang="es-ES"/>
           </a:p>
@@ -1550,7 +1560,7 @@
             <a:fld id="{8AF5DED2-3229-4C9E-BAA3-426D9C5D6377}" type="slidenum">
               <a:rPr lang="es-ES" smtClean="0"/>
               <a:pPr/>
-              <a:t>‹Nº›</a:t>
+              <a:t>‹#›</a:t>
             </a:fld>
             <a:endParaRPr lang="es-ES"/>
           </a:p>
@@ -1994,7 +2004,7 @@
             <a:fld id="{52FC8CEA-0A16-4154-94F4-900FDF2B4E74}" type="datetimeFigureOut">
               <a:rPr lang="es-ES" smtClean="0"/>
               <a:pPr/>
-              <a:t>28/07/2008</a:t>
+              <a:t>02/05/2018</a:t>
             </a:fld>
             <a:endParaRPr lang="es-ES"/>
           </a:p>
@@ -2037,7 +2047,7 @@
             <a:fld id="{8AF5DED2-3229-4C9E-BAA3-426D9C5D6377}" type="slidenum">
               <a:rPr lang="es-ES" smtClean="0"/>
               <a:pPr/>
-              <a:t>‹Nº›</a:t>
+              <a:t>‹#›</a:t>
             </a:fld>
             <a:endParaRPr lang="es-ES"/>
           </a:p>
@@ -2260,7 +2270,7 @@
             <a:fld id="{52FC8CEA-0A16-4154-94F4-900FDF2B4E74}" type="datetimeFigureOut">
               <a:rPr lang="es-ES" smtClean="0"/>
               <a:pPr/>
-              <a:t>28/07/2008</a:t>
+              <a:t>02/05/2018</a:t>
             </a:fld>
             <a:endParaRPr lang="es-ES"/>
           </a:p>
@@ -2303,7 +2313,7 @@
             <a:fld id="{8AF5DED2-3229-4C9E-BAA3-426D9C5D6377}" type="slidenum">
               <a:rPr lang="es-ES" smtClean="0"/>
               <a:pPr/>
-              <a:t>‹Nº›</a:t>
+              <a:t>‹#›</a:t>
             </a:fld>
             <a:endParaRPr lang="es-ES"/>
           </a:p>
@@ -2636,7 +2646,7 @@
             <a:fld id="{52FC8CEA-0A16-4154-94F4-900FDF2B4E74}" type="datetimeFigureOut">
               <a:rPr lang="es-ES" smtClean="0"/>
               <a:pPr/>
-              <a:t>28/07/2008</a:t>
+              <a:t>02/05/2018</a:t>
             </a:fld>
             <a:endParaRPr lang="es-ES"/>
           </a:p>
@@ -2679,7 +2689,7 @@
             <a:fld id="{8AF5DED2-3229-4C9E-BAA3-426D9C5D6377}" type="slidenum">
               <a:rPr lang="es-ES" smtClean="0"/>
               <a:pPr/>
-              <a:t>‹Nº›</a:t>
+              <a:t>‹#›</a:t>
             </a:fld>
             <a:endParaRPr lang="es-ES"/>
           </a:p>
@@ -2760,7 +2770,7 @@
             <a:fld id="{52FC8CEA-0A16-4154-94F4-900FDF2B4E74}" type="datetimeFigureOut">
               <a:rPr lang="es-ES" smtClean="0"/>
               <a:pPr/>
-              <a:t>28/07/2008</a:t>
+              <a:t>02/05/2018</a:t>
             </a:fld>
             <a:endParaRPr lang="es-ES"/>
           </a:p>
@@ -2784,7 +2794,7 @@
             <a:fld id="{8AF5DED2-3229-4C9E-BAA3-426D9C5D6377}" type="slidenum">
               <a:rPr lang="es-ES" smtClean="0"/>
               <a:pPr/>
-              <a:t>‹Nº›</a:t>
+              <a:t>‹#›</a:t>
             </a:fld>
             <a:endParaRPr lang="es-ES"/>
           </a:p>
@@ -2852,7 +2862,7 @@
             <a:fld id="{52FC8CEA-0A16-4154-94F4-900FDF2B4E74}" type="datetimeFigureOut">
               <a:rPr lang="es-ES" smtClean="0"/>
               <a:pPr/>
-              <a:t>28/07/2008</a:t>
+              <a:t>02/05/2018</a:t>
             </a:fld>
             <a:endParaRPr lang="es-ES"/>
           </a:p>
@@ -2895,7 +2905,7 @@
             <a:fld id="{8AF5DED2-3229-4C9E-BAA3-426D9C5D6377}" type="slidenum">
               <a:rPr lang="es-ES" smtClean="0"/>
               <a:pPr/>
-              <a:t>‹Nº›</a:t>
+              <a:t>‹#›</a:t>
             </a:fld>
             <a:endParaRPr lang="es-ES"/>
           </a:p>
@@ -3103,7 +3113,7 @@
             <a:fld id="{52FC8CEA-0A16-4154-94F4-900FDF2B4E74}" type="datetimeFigureOut">
               <a:rPr lang="es-ES" smtClean="0"/>
               <a:pPr/>
-              <a:t>28/07/2008</a:t>
+              <a:t>02/05/2018</a:t>
             </a:fld>
             <a:endParaRPr lang="es-ES"/>
           </a:p>
@@ -3151,7 +3161,7 @@
             <a:fld id="{8AF5DED2-3229-4C9E-BAA3-426D9C5D6377}" type="slidenum">
               <a:rPr lang="es-ES" smtClean="0"/>
               <a:pPr/>
-              <a:t>‹Nº›</a:t>
+              <a:t>‹#›</a:t>
             </a:fld>
             <a:endParaRPr lang="es-ES"/>
           </a:p>
@@ -3364,7 +3374,7 @@
             <a:fld id="{52FC8CEA-0A16-4154-94F4-900FDF2B4E74}" type="datetimeFigureOut">
               <a:rPr lang="es-ES" smtClean="0"/>
               <a:pPr/>
-              <a:t>28/07/2008</a:t>
+              <a:t>02/05/2018</a:t>
             </a:fld>
             <a:endParaRPr lang="es-ES"/>
           </a:p>
@@ -3407,7 +3417,7 @@
             <a:fld id="{8AF5DED2-3229-4C9E-BAA3-426D9C5D6377}" type="slidenum">
               <a:rPr lang="es-ES" smtClean="0"/>
               <a:pPr/>
-              <a:t>‹Nº›</a:t>
+              <a:t>‹#›</a:t>
             </a:fld>
             <a:endParaRPr lang="es-ES"/>
           </a:p>
@@ -3770,7 +3780,7 @@
             <a:fld id="{52FC8CEA-0A16-4154-94F4-900FDF2B4E74}" type="datetimeFigureOut">
               <a:rPr lang="es-ES" smtClean="0"/>
               <a:pPr/>
-              <a:t>28/07/2008</a:t>
+              <a:t>02/05/2018</a:t>
             </a:fld>
             <a:endParaRPr lang="es-ES"/>
           </a:p>
@@ -3849,7 +3859,7 @@
             <a:fld id="{8AF5DED2-3229-4C9E-BAA3-426D9C5D6377}" type="slidenum">
               <a:rPr lang="es-ES" smtClean="0"/>
               <a:pPr/>
-              <a:t>‹Nº›</a:t>
+              <a:t>‹#›</a:t>
             </a:fld>
             <a:endParaRPr lang="es-ES"/>
           </a:p>
@@ -6081,73 +6091,32 @@
             <a:chExt cx="9144000" cy="642918"/>
           </a:xfrm>
         </p:grpSpPr>
-        <p:grpSp>
-          <p:nvGrpSpPr>
-            <p:cNvPr id="55" name="26 Grupo"/>
-            <p:cNvGrpSpPr/>
+        <p:pic>
+          <p:nvPicPr>
+            <p:cNvPr id="61" name="Picture 4" descr="C:\mfo\DesarrolloActionLine\Docs\logo1_1.jpg"/>
+            <p:cNvPicPr>
+              <a:picLocks noChangeAspect="1" noChangeArrowheads="1"/>
+            </p:cNvPicPr>
             <p:nvPr/>
-          </p:nvGrpSpPr>
-          <p:grpSpPr>
+          </p:nvPicPr>
+          <p:blipFill>
+            <a:blip r:embed="rId9"/>
+            <a:srcRect/>
+            <a:stretch>
+              <a:fillRect/>
+            </a:stretch>
+          </p:blipFill>
+          <p:spPr bwMode="auto">
             <a:xfrm>
               <a:off x="0" y="0"/>
-              <a:ext cx="3209931" cy="642918"/>
-              <a:chOff x="4643438" y="576263"/>
-              <a:chExt cx="3209931" cy="890567"/>
+              <a:ext cx="885825" cy="639495"/>
             </a:xfrm>
-          </p:grpSpPr>
-          <p:pic>
-            <p:nvPicPr>
-              <p:cNvPr id="61" name="Picture 4" descr="C:\mfo\DesarrolloActionLine\Docs\logo1_1.jpg"/>
-              <p:cNvPicPr>
-                <a:picLocks noChangeAspect="1" noChangeArrowheads="1"/>
-              </p:cNvPicPr>
-              <p:nvPr/>
-            </p:nvPicPr>
-            <p:blipFill>
-              <a:blip r:embed="rId9"/>
-              <a:srcRect/>
-              <a:stretch>
-                <a:fillRect/>
-              </a:stretch>
-            </p:blipFill>
-            <p:spPr bwMode="auto">
-              <a:xfrm>
-                <a:off x="4643438" y="576263"/>
-                <a:ext cx="885825" cy="885825"/>
-              </a:xfrm>
-              <a:prstGeom prst="rect">
-                <a:avLst/>
-              </a:prstGeom>
-              <a:noFill/>
-            </p:spPr>
-          </p:pic>
-          <p:pic>
-            <p:nvPicPr>
-              <p:cNvPr id="62" name="Picture 5" descr="C:\mfo\DesarrolloActionLine\Docs\logo2_ActionLine.gif"/>
-              <p:cNvPicPr>
-                <a:picLocks noChangeAspect="1" noChangeArrowheads="1"/>
-              </p:cNvPicPr>
-              <p:nvPr/>
-            </p:nvPicPr>
-            <p:blipFill>
-              <a:blip r:embed="rId10"/>
-              <a:srcRect/>
-              <a:stretch>
-                <a:fillRect/>
-              </a:stretch>
-            </p:blipFill>
-            <p:spPr bwMode="auto">
-              <a:xfrm>
-                <a:off x="5500694" y="581005"/>
-                <a:ext cx="2352675" cy="885825"/>
-              </a:xfrm>
-              <a:prstGeom prst="rect">
-                <a:avLst/>
-              </a:prstGeom>
-              <a:noFill/>
-            </p:spPr>
-          </p:pic>
-        </p:grpSp>
+            <a:prstGeom prst="rect">
+              <a:avLst/>
+            </a:prstGeom>
+            <a:noFill/>
+          </p:spPr>
+        </p:pic>
         <p:pic>
           <p:nvPicPr>
             <p:cNvPr id="56" name="Picture 2" descr="C:\mfo\DesarrolloActionLine\Docs\FondoAction.bmp"/>
@@ -6157,7 +6126,7 @@
             <p:nvPr/>
           </p:nvPicPr>
           <p:blipFill>
-            <a:blip r:embed="rId11"/>
+            <a:blip r:embed="rId10"/>
             <a:srcRect/>
             <a:stretch>
               <a:fillRect/>
@@ -8820,73 +8789,32 @@
             <a:chExt cx="9144000" cy="642918"/>
           </a:xfrm>
         </p:grpSpPr>
-        <p:grpSp>
-          <p:nvGrpSpPr>
-            <p:cNvPr id="27" name="26 Grupo"/>
-            <p:cNvGrpSpPr/>
+        <p:pic>
+          <p:nvPicPr>
+            <p:cNvPr id="29" name="Picture 4" descr="C:\mfo\DesarrolloActionLine\Docs\logo1_1.jpg"/>
+            <p:cNvPicPr>
+              <a:picLocks noChangeAspect="1" noChangeArrowheads="1"/>
+            </p:cNvPicPr>
             <p:nvPr/>
-          </p:nvGrpSpPr>
-          <p:grpSpPr>
+          </p:nvPicPr>
+          <p:blipFill>
+            <a:blip r:embed="rId4"/>
+            <a:srcRect/>
+            <a:stretch>
+              <a:fillRect/>
+            </a:stretch>
+          </p:blipFill>
+          <p:spPr bwMode="auto">
             <a:xfrm>
               <a:off x="0" y="0"/>
-              <a:ext cx="3209931" cy="642918"/>
-              <a:chOff x="4643438" y="576263"/>
-              <a:chExt cx="3209931" cy="890567"/>
+              <a:ext cx="885825" cy="639495"/>
             </a:xfrm>
-          </p:grpSpPr>
-          <p:pic>
-            <p:nvPicPr>
-              <p:cNvPr id="29" name="Picture 4" descr="C:\mfo\DesarrolloActionLine\Docs\logo1_1.jpg"/>
-              <p:cNvPicPr>
-                <a:picLocks noChangeAspect="1" noChangeArrowheads="1"/>
-              </p:cNvPicPr>
-              <p:nvPr/>
-            </p:nvPicPr>
-            <p:blipFill>
-              <a:blip r:embed="rId4"/>
-              <a:srcRect/>
-              <a:stretch>
-                <a:fillRect/>
-              </a:stretch>
-            </p:blipFill>
-            <p:spPr bwMode="auto">
-              <a:xfrm>
-                <a:off x="4643438" y="576263"/>
-                <a:ext cx="885825" cy="885825"/>
-              </a:xfrm>
-              <a:prstGeom prst="rect">
-                <a:avLst/>
-              </a:prstGeom>
-              <a:noFill/>
-            </p:spPr>
-          </p:pic>
-          <p:pic>
-            <p:nvPicPr>
-              <p:cNvPr id="31" name="Picture 5" descr="C:\mfo\DesarrolloActionLine\Docs\logo2_ActionLine.gif"/>
-              <p:cNvPicPr>
-                <a:picLocks noChangeAspect="1" noChangeArrowheads="1"/>
-              </p:cNvPicPr>
-              <p:nvPr/>
-            </p:nvPicPr>
-            <p:blipFill>
-              <a:blip r:embed="rId5"/>
-              <a:srcRect/>
-              <a:stretch>
-                <a:fillRect/>
-              </a:stretch>
-            </p:blipFill>
-            <p:spPr bwMode="auto">
-              <a:xfrm>
-                <a:off x="5500694" y="581005"/>
-                <a:ext cx="2352675" cy="885825"/>
-              </a:xfrm>
-              <a:prstGeom prst="rect">
-                <a:avLst/>
-              </a:prstGeom>
-              <a:noFill/>
-            </p:spPr>
-          </p:pic>
-        </p:grpSp>
+            <a:prstGeom prst="rect">
+              <a:avLst/>
+            </a:prstGeom>
+            <a:noFill/>
+          </p:spPr>
+        </p:pic>
         <p:pic>
           <p:nvPicPr>
             <p:cNvPr id="1026" name="Picture 2" descr="C:\mfo\DesarrolloActionLine\Docs\FondoAction.bmp"/>
@@ -8896,7 +8824,7 @@
             <p:nvPr/>
           </p:nvPicPr>
           <p:blipFill>
-            <a:blip r:embed="rId6"/>
+            <a:blip r:embed="rId5"/>
             <a:srcRect/>
             <a:stretch>
               <a:fillRect/>
@@ -9225,7 +9153,7 @@
                                     <p:cond delay="0"/>
                                   </p:stCondLst>
                                   <p:childTnLst>
-                                    <p:animClr clrSpc="rgb">
+                                    <p:animClr clrSpc="rgb" dir="cw">
                                       <p:cBhvr override="childStyle">
                                         <p:cTn id="21" dur="500" autoRev="1" fill="hold"/>
                                         <p:tgtEl>
@@ -9239,7 +9167,7 @@
                                         <a:schemeClr val="hlink"/>
                                       </p:to>
                                     </p:animClr>
-                                    <p:animClr clrSpc="rgb">
+                                    <p:animClr clrSpc="rgb" dir="cw">
                                       <p:cBhvr>
                                         <p:cTn id="22" dur="500" autoRev="1" fill="hold"/>
                                         <p:tgtEl>
@@ -9345,7 +9273,7 @@
                                           <p:attrName>ppt_y</p:attrName>
                                         </p:attrNameLst>
                                       </p:cBhvr>
-                                      <p:rCtr x="36" y="57"/>
+                                      <p:rCtr x="3600" y="5700"/>
                                     </p:animMotion>
                                   </p:childTnLst>
                                 </p:cTn>
@@ -9629,7 +9557,7 @@
                                     <p:cond delay="0"/>
                                   </p:stCondLst>
                                   <p:childTnLst>
-                                    <p:animClr clrSpc="rgb">
+                                    <p:animClr clrSpc="rgb" dir="cw">
                                       <p:cBhvr override="childStyle">
                                         <p:cTn id="57" dur="500" autoRev="1" fill="hold"/>
                                         <p:tgtEl>
@@ -9643,7 +9571,7 @@
                                         <a:schemeClr val="hlink"/>
                                       </p:to>
                                     </p:animClr>
-                                    <p:animClr clrSpc="rgb">
+                                    <p:animClr clrSpc="rgb" dir="cw">
                                       <p:cBhvr>
                                         <p:cTn id="58" dur="500" autoRev="1" fill="hold"/>
                                         <p:tgtEl>
@@ -9767,7 +9695,7 @@
                                           <p:attrName>ppt_y</p:attrName>
                                         </p:attrNameLst>
                                       </p:cBhvr>
-                                      <p:rCtr x="108" y="-41"/>
+                                      <p:rCtr x="10800" y="-4100"/>
                                     </p:animMotion>
                                   </p:childTnLst>
                                 </p:cTn>
@@ -9935,73 +9863,32 @@
             <a:chExt cx="9144000" cy="642918"/>
           </a:xfrm>
         </p:grpSpPr>
-        <p:grpSp>
-          <p:nvGrpSpPr>
-            <p:cNvPr id="70" name="26 Grupo"/>
-            <p:cNvGrpSpPr/>
+        <p:pic>
+          <p:nvPicPr>
+            <p:cNvPr id="72" name="Picture 4" descr="C:\mfo\DesarrolloActionLine\Docs\logo1_1.jpg"/>
+            <p:cNvPicPr>
+              <a:picLocks noChangeAspect="1" noChangeArrowheads="1"/>
+            </p:cNvPicPr>
             <p:nvPr/>
-          </p:nvGrpSpPr>
-          <p:grpSpPr>
+          </p:nvPicPr>
+          <p:blipFill>
+            <a:blip r:embed="rId2"/>
+            <a:srcRect/>
+            <a:stretch>
+              <a:fillRect/>
+            </a:stretch>
+          </p:blipFill>
+          <p:spPr bwMode="auto">
             <a:xfrm>
               <a:off x="0" y="0"/>
-              <a:ext cx="3209931" cy="642918"/>
-              <a:chOff x="4643438" y="576263"/>
-              <a:chExt cx="3209931" cy="890567"/>
+              <a:ext cx="885825" cy="639495"/>
             </a:xfrm>
-          </p:grpSpPr>
-          <p:pic>
-            <p:nvPicPr>
-              <p:cNvPr id="72" name="Picture 4" descr="C:\mfo\DesarrolloActionLine\Docs\logo1_1.jpg"/>
-              <p:cNvPicPr>
-                <a:picLocks noChangeAspect="1" noChangeArrowheads="1"/>
-              </p:cNvPicPr>
-              <p:nvPr/>
-            </p:nvPicPr>
-            <p:blipFill>
-              <a:blip r:embed="rId2"/>
-              <a:srcRect/>
-              <a:stretch>
-                <a:fillRect/>
-              </a:stretch>
-            </p:blipFill>
-            <p:spPr bwMode="auto">
-              <a:xfrm>
-                <a:off x="4643438" y="576263"/>
-                <a:ext cx="885825" cy="885825"/>
-              </a:xfrm>
-              <a:prstGeom prst="rect">
-                <a:avLst/>
-              </a:prstGeom>
-              <a:noFill/>
-            </p:spPr>
-          </p:pic>
-          <p:pic>
-            <p:nvPicPr>
-              <p:cNvPr id="73" name="Picture 5" descr="C:\mfo\DesarrolloActionLine\Docs\logo2_ActionLine.gif"/>
-              <p:cNvPicPr>
-                <a:picLocks noChangeAspect="1" noChangeArrowheads="1"/>
-              </p:cNvPicPr>
-              <p:nvPr/>
-            </p:nvPicPr>
-            <p:blipFill>
-              <a:blip r:embed="rId3"/>
-              <a:srcRect/>
-              <a:stretch>
-                <a:fillRect/>
-              </a:stretch>
-            </p:blipFill>
-            <p:spPr bwMode="auto">
-              <a:xfrm>
-                <a:off x="5500694" y="581005"/>
-                <a:ext cx="2352675" cy="885825"/>
-              </a:xfrm>
-              <a:prstGeom prst="rect">
-                <a:avLst/>
-              </a:prstGeom>
-              <a:noFill/>
-            </p:spPr>
-          </p:pic>
-        </p:grpSp>
+            <a:prstGeom prst="rect">
+              <a:avLst/>
+            </a:prstGeom>
+            <a:noFill/>
+          </p:spPr>
+        </p:pic>
         <p:pic>
           <p:nvPicPr>
             <p:cNvPr id="71" name="Picture 2" descr="C:\mfo\DesarrolloActionLine\Docs\FondoAction.bmp"/>
@@ -10011,7 +9898,7 @@
             <p:nvPr/>
           </p:nvPicPr>
           <p:blipFill>
-            <a:blip r:embed="rId4"/>
+            <a:blip r:embed="rId3"/>
             <a:srcRect/>
             <a:stretch>
               <a:fillRect/>
@@ -10237,7 +10124,7 @@
               <p:nvPr/>
             </p:nvPicPr>
             <p:blipFill>
-              <a:blip r:embed="rId5" cstate="print"/>
+              <a:blip r:embed="rId4" cstate="print"/>
               <a:srcRect/>
               <a:stretch>
                 <a:fillRect/>
@@ -10898,7 +10785,7 @@
           <p:nvPr/>
         </p:nvPicPr>
         <p:blipFill>
-          <a:blip r:embed="rId6"/>
+          <a:blip r:embed="rId5"/>
           <a:srcRect/>
           <a:stretch>
             <a:fillRect/>
@@ -11890,7 +11777,7 @@
               </a:buClr>
               <a:buFont typeface="Wingdings 2" pitchFamily="18" charset="2"/>
               <a:buBlip>
-                <a:blip r:embed="rId7"/>
+                <a:blip r:embed="rId6"/>
               </a:buBlip>
               <a:defRPr/>
             </a:pPr>
@@ -12385,7 +12272,7 @@
           <p:nvPr/>
         </p:nvPicPr>
         <p:blipFill>
-          <a:blip r:embed="rId8"/>
+          <a:blip r:embed="rId7"/>
           <a:srcRect/>
           <a:stretch>
             <a:fillRect/>
@@ -13309,7 +13196,7 @@
                                           <p:attrName>ppt_y</p:attrName>
                                         </p:attrNameLst>
                                       </p:cBhvr>
-                                      <p:rCtr x="182" y="51"/>
+                                      <p:rCtr x="18200" y="5100"/>
                                     </p:animMotion>
                                   </p:childTnLst>
                                 </p:cTn>
@@ -13332,7 +13219,7 @@
                                     <p:tmPct val="0"/>
                                   </p:iterate>
                                   <p:childTnLst>
-                                    <p:animClr clrSpc="hsl">
+                                    <p:animClr clrSpc="hsl" dir="cw">
                                       <p:cBhvr override="childStyle">
                                         <p:cTn id="21" dur="500" fill="hold"/>
                                         <p:tgtEl>
@@ -13346,7 +13233,7 @@
                                         <p:hsl h="-7200000" s="0" l="0"/>
                                       </p:by>
                                     </p:animClr>
-                                    <p:animClr clrSpc="hsl">
+                                    <p:animClr clrSpc="hsl" dir="cw">
                                       <p:cBhvr>
                                         <p:cTn id="22" dur="500" fill="hold"/>
                                         <p:tgtEl>
@@ -13360,7 +13247,7 @@
                                         <p:hsl h="-7200000" s="0" l="0"/>
                                       </p:by>
                                     </p:animClr>
-                                    <p:animClr clrSpc="hsl">
+                                    <p:animClr clrSpc="hsl" dir="cw">
                                       <p:cBhvr>
                                         <p:cTn id="23" dur="500" fill="hold"/>
                                         <p:tgtEl>
@@ -13514,7 +13401,7 @@
                                           <p:attrName>ppt_y</p:attrName>
                                         </p:attrNameLst>
                                       </p:cBhvr>
-                                      <p:rCtr x="-20" y="33"/>
+                                      <p:rCtr x="-2000" y="3300"/>
                                     </p:animMotion>
                                   </p:childTnLst>
                                 </p:cTn>
@@ -13537,7 +13424,7 @@
                                     <p:tmPct val="0"/>
                                   </p:iterate>
                                   <p:childTnLst>
-                                    <p:animClr clrSpc="hsl">
+                                    <p:animClr clrSpc="hsl" dir="cw">
                                       <p:cBhvr override="childStyle">
                                         <p:cTn id="38" dur="500" fill="hold"/>
                                         <p:tgtEl>
@@ -13551,7 +13438,7 @@
                                         <p:hsl h="-7200000" s="0" l="0"/>
                                       </p:by>
                                     </p:animClr>
-                                    <p:animClr clrSpc="hsl">
+                                    <p:animClr clrSpc="hsl" dir="cw">
                                       <p:cBhvr>
                                         <p:cTn id="39" dur="500" fill="hold"/>
                                         <p:tgtEl>
@@ -13565,7 +13452,7 @@
                                         <p:hsl h="-7200000" s="0" l="0"/>
                                       </p:by>
                                     </p:animClr>
-                                    <p:animClr clrSpc="hsl">
+                                    <p:animClr clrSpc="hsl" dir="cw">
                                       <p:cBhvr>
                                         <p:cTn id="40" dur="500" fill="hold"/>
                                         <p:tgtEl>
@@ -13986,7 +13873,7 @@
                                           <p:attrName>ppt_y</p:attrName>
                                         </p:attrNameLst>
                                       </p:cBhvr>
-                                      <p:rCtr x="37" y="40"/>
+                                      <p:rCtr x="3700" y="4000"/>
                                     </p:animMotion>
                                   </p:childTnLst>
                                 </p:cTn>
@@ -14008,7 +13895,7 @@
                                           <p:attrName>ppt_y</p:attrName>
                                         </p:attrNameLst>
                                       </p:cBhvr>
-                                      <p:rCtr x="-20" y="42"/>
+                                      <p:rCtr x="-2000" y="4200"/>
                                     </p:animMotion>
                                   </p:childTnLst>
                                 </p:cTn>
@@ -14285,7 +14172,7 @@
                                           <p:attrName>ppt_y</p:attrName>
                                         </p:attrNameLst>
                                       </p:cBhvr>
-                                      <p:rCtr x="-13" y="43"/>
+                                      <p:rCtr x="-1300" y="4300"/>
                                     </p:animMotion>
                                   </p:childTnLst>
                                 </p:cTn>
@@ -14307,7 +14194,7 @@
                                           <p:attrName>ppt_y</p:attrName>
                                         </p:attrNameLst>
                                       </p:cBhvr>
-                                      <p:rCtr x="4" y="39"/>
+                                      <p:rCtr x="400" y="3900"/>
                                     </p:animMotion>
                                   </p:childTnLst>
                                 </p:cTn>
@@ -16332,73 +16219,32 @@
             <a:chExt cx="9144000" cy="642918"/>
           </a:xfrm>
         </p:grpSpPr>
-        <p:grpSp>
-          <p:nvGrpSpPr>
-            <p:cNvPr id="47" name="26 Grupo"/>
-            <p:cNvGrpSpPr/>
+        <p:pic>
+          <p:nvPicPr>
+            <p:cNvPr id="49" name="Picture 4" descr="C:\mfo\DesarrolloActionLine\Docs\logo1_1.jpg"/>
+            <p:cNvPicPr>
+              <a:picLocks noChangeAspect="1" noChangeArrowheads="1"/>
+            </p:cNvPicPr>
             <p:nvPr/>
-          </p:nvGrpSpPr>
-          <p:grpSpPr>
+          </p:nvPicPr>
+          <p:blipFill>
+            <a:blip r:embed="rId9"/>
+            <a:srcRect/>
+            <a:stretch>
+              <a:fillRect/>
+            </a:stretch>
+          </p:blipFill>
+          <p:spPr bwMode="auto">
             <a:xfrm>
               <a:off x="0" y="0"/>
-              <a:ext cx="3209931" cy="642918"/>
-              <a:chOff x="4643438" y="576263"/>
-              <a:chExt cx="3209931" cy="890567"/>
+              <a:ext cx="885825" cy="639495"/>
             </a:xfrm>
-          </p:grpSpPr>
-          <p:pic>
-            <p:nvPicPr>
-              <p:cNvPr id="49" name="Picture 4" descr="C:\mfo\DesarrolloActionLine\Docs\logo1_1.jpg"/>
-              <p:cNvPicPr>
-                <a:picLocks noChangeAspect="1" noChangeArrowheads="1"/>
-              </p:cNvPicPr>
-              <p:nvPr/>
-            </p:nvPicPr>
-            <p:blipFill>
-              <a:blip r:embed="rId9"/>
-              <a:srcRect/>
-              <a:stretch>
-                <a:fillRect/>
-              </a:stretch>
-            </p:blipFill>
-            <p:spPr bwMode="auto">
-              <a:xfrm>
-                <a:off x="4643438" y="576263"/>
-                <a:ext cx="885825" cy="885825"/>
-              </a:xfrm>
-              <a:prstGeom prst="rect">
-                <a:avLst/>
-              </a:prstGeom>
-              <a:noFill/>
-            </p:spPr>
-          </p:pic>
-          <p:pic>
-            <p:nvPicPr>
-              <p:cNvPr id="50" name="Picture 5" descr="C:\mfo\DesarrolloActionLine\Docs\logo2_ActionLine.gif"/>
-              <p:cNvPicPr>
-                <a:picLocks noChangeAspect="1" noChangeArrowheads="1"/>
-              </p:cNvPicPr>
-              <p:nvPr/>
-            </p:nvPicPr>
-            <p:blipFill>
-              <a:blip r:embed="rId10"/>
-              <a:srcRect/>
-              <a:stretch>
-                <a:fillRect/>
-              </a:stretch>
-            </p:blipFill>
-            <p:spPr bwMode="auto">
-              <a:xfrm>
-                <a:off x="5500694" y="581005"/>
-                <a:ext cx="2352675" cy="885825"/>
-              </a:xfrm>
-              <a:prstGeom prst="rect">
-                <a:avLst/>
-              </a:prstGeom>
-              <a:noFill/>
-            </p:spPr>
-          </p:pic>
-        </p:grpSp>
+            <a:prstGeom prst="rect">
+              <a:avLst/>
+            </a:prstGeom>
+            <a:noFill/>
+          </p:spPr>
+        </p:pic>
         <p:pic>
           <p:nvPicPr>
             <p:cNvPr id="48" name="Picture 2" descr="C:\mfo\DesarrolloActionLine\Docs\FondoAction.bmp"/>
@@ -16408,7 +16254,7 @@
             <p:nvPr/>
           </p:nvPicPr>
           <p:blipFill>
-            <a:blip r:embed="rId11"/>
+            <a:blip r:embed="rId10"/>
             <a:srcRect/>
             <a:stretch>
               <a:fillRect/>
@@ -16620,7 +16466,7 @@
                                           <p:attrName>ppt_y</p:attrName>
                                         </p:attrNameLst>
                                       </p:cBhvr>
-                                      <p:rCtr x="-237" y="84"/>
+                                      <p:rCtr x="-23700" y="8400"/>
                                     </p:animMotion>
                                   </p:childTnLst>
                                 </p:cTn>
@@ -16784,7 +16630,7 @@
                                           <p:attrName>ppt_y</p:attrName>
                                         </p:attrNameLst>
                                       </p:cBhvr>
-                                      <p:rCtr x="-39" y="-110"/>
+                                      <p:rCtr x="-3900" y="-11000"/>
                                     </p:animMotion>
                                   </p:childTnLst>
                                 </p:cTn>
@@ -16956,7 +16802,7 @@
                                           <p:attrName>ppt_y</p:attrName>
                                         </p:attrNameLst>
                                       </p:cBhvr>
-                                      <p:rCtr x="74" y="-118"/>
+                                      <p:rCtr x="7400" y="-11800"/>
                                     </p:animMotion>
                                   </p:childTnLst>
                                 </p:cTn>
